--- a/Basket.pptx
+++ b/Basket.pptx
@@ -3901,7 +3901,6 @@
               <a:rPr lang="en-US" altLang="ja-JP" sz="1200" dirty="0" smtClean="0"/>
               <a:t>m</a:t>
             </a:r>
-            <a:endParaRPr lang="en-US" altLang="ja-JP" sz="1200" dirty="0" smtClean="0"/>
           </a:p>
           <a:p>
             <a:r>
@@ -4856,7 +4855,6 @@
               <a:rPr lang="en-US" altLang="ja-JP" sz="1200" dirty="0" smtClean="0"/>
               <a:t>Id</a:t>
             </a:r>
-            <a:endParaRPr lang="en-US" altLang="ja-JP" sz="1200" dirty="0" smtClean="0"/>
           </a:p>
           <a:p>
             <a:r>
@@ -4870,7 +4868,6 @@
               <a:rPr lang="en-US" altLang="ja-JP" sz="1200" dirty="0" smtClean="0"/>
               <a:t>m</a:t>
             </a:r>
-            <a:endParaRPr lang="en-US" altLang="ja-JP" sz="1200" dirty="0" smtClean="0"/>
           </a:p>
           <a:p>
             <a:r>
@@ -5364,8 +5361,8 @@
               <a:t>・</a:t>
             </a:r>
             <a:r>
-              <a:rPr lang="en-US" altLang="ja-JP" sz="1200" dirty="0" err="1" smtClean="0"/>
-              <a:t>mutchs</a:t>
+              <a:rPr lang="en-US" altLang="ja-JP" sz="1200" smtClean="0"/>
+              <a:t>matches</a:t>
             </a:r>
             <a:endParaRPr lang="en-US" altLang="ja-JP" sz="1200" dirty="0" smtClean="0"/>
           </a:p>
@@ -5649,7 +5646,6 @@
               <a:rPr lang="en-US" altLang="ja-JP" sz="1200" dirty="0" smtClean="0"/>
               <a:t>m</a:t>
             </a:r>
-            <a:endParaRPr lang="en-US" altLang="ja-JP" sz="1200" dirty="0" smtClean="0"/>
           </a:p>
           <a:p>
             <a:r>
@@ -6178,7 +6174,6 @@
               <a:rPr lang="en-US" altLang="ja-JP" sz="1200" dirty="0" smtClean="0"/>
               <a:t>Id</a:t>
             </a:r>
-            <a:endParaRPr lang="en-US" altLang="ja-JP" sz="1200" dirty="0" smtClean="0"/>
           </a:p>
           <a:p>
             <a:r>
@@ -6192,7 +6187,6 @@
               <a:rPr lang="en-US" altLang="ja-JP" sz="1200" dirty="0" smtClean="0"/>
               <a:t>m</a:t>
             </a:r>
-            <a:endParaRPr lang="en-US" altLang="ja-JP" sz="1200" dirty="0" smtClean="0"/>
           </a:p>
           <a:p>
             <a:r>

--- a/Basket.pptx
+++ b/Basket.pptx
@@ -3901,6 +3901,7 @@
               <a:rPr lang="en-US" altLang="ja-JP" sz="1200" dirty="0" smtClean="0"/>
               <a:t>m</a:t>
             </a:r>
+            <a:endParaRPr lang="en-US" altLang="ja-JP" sz="1200" dirty="0" smtClean="0"/>
           </a:p>
           <a:p>
             <a:r>
@@ -4855,6 +4856,7 @@
               <a:rPr lang="en-US" altLang="ja-JP" sz="1200" dirty="0" smtClean="0"/>
               <a:t>Id</a:t>
             </a:r>
+            <a:endParaRPr lang="en-US" altLang="ja-JP" sz="1200" dirty="0" smtClean="0"/>
           </a:p>
           <a:p>
             <a:r>
@@ -4868,6 +4870,7 @@
               <a:rPr lang="en-US" altLang="ja-JP" sz="1200" dirty="0" smtClean="0"/>
               <a:t>m</a:t>
             </a:r>
+            <a:endParaRPr lang="en-US" altLang="ja-JP" sz="1200" dirty="0" smtClean="0"/>
           </a:p>
           <a:p>
             <a:r>
@@ -5056,6 +5059,13 @@
   <p:clrMapOvr>
     <a:masterClrMapping/>
   </p:clrMapOvr>
+  <p:timing>
+    <p:tnLst>
+      <p:par>
+        <p:cTn id="1" dur="indefinite" restart="never" nodeType="tmRoot"/>
+      </p:par>
+    </p:tnLst>
+  </p:timing>
 </p:sld>
 </file>
 
@@ -5088,13 +5098,13 @@
         </p:nvSpPr>
         <p:spPr>
           <a:xfrm>
-            <a:off x="3857364" y="95521"/>
-            <a:ext cx="1696995" cy="2453191"/>
+            <a:off x="4290639" y="2426088"/>
+            <a:ext cx="1696995" cy="2441208"/>
           </a:xfrm>
         </p:spPr>
         <p:txBody>
           <a:bodyPr>
-            <a:normAutofit lnSpcReduction="10000"/>
+            <a:normAutofit fontScale="85000" lnSpcReduction="20000"/>
           </a:bodyPr>
           <a:lstStyle/>
           <a:p>
@@ -5115,25 +5125,26 @@
             </a:r>
           </a:p>
           <a:p>
-            <a:r>
-              <a:rPr lang="en-US" altLang="ja-JP" sz="1200" dirty="0" smtClean="0"/>
-              <a:t>C</a:t>
-            </a:r>
-          </a:p>
-          <a:p>
-            <a:r>
-              <a:rPr lang="en-US" altLang="ja-JP" sz="1200" dirty="0" smtClean="0"/>
-              <a:t>M</a:t>
-            </a:r>
-          </a:p>
-          <a:p>
-            <a:r>
-              <a:rPr lang="en-US" altLang="ja-JP" sz="1200" dirty="0" err="1"/>
-              <a:t>home_</a:t>
-            </a:r>
+            <a:pPr fontAlgn="t"/>
+            <a:r>
+              <a:rPr lang="en-US" altLang="ja-JP" sz="1200" dirty="0">
+                <a:solidFill>
+                  <a:srgbClr val="000000"/>
+                </a:solidFill>
+              </a:rPr>
+              <a:t>created</a:t>
+            </a:r>
+          </a:p>
+          <a:p>
+            <a:r>
+              <a:rPr lang="en-US" altLang="ja-JP" sz="1200" dirty="0"/>
+              <a:t>modified</a:t>
+            </a:r>
+          </a:p>
+          <a:p>
             <a:r>
               <a:rPr lang="en-US" altLang="ja-JP" sz="1200" dirty="0" err="1" smtClean="0"/>
-              <a:t>player_name</a:t>
+              <a:t>home_player_name</a:t>
             </a:r>
             <a:endParaRPr lang="en-US" altLang="ja-JP" sz="1200" dirty="0" smtClean="0"/>
           </a:p>
@@ -5167,6 +5178,23 @@
               <a:rPr lang="en-US" altLang="ja-JP" sz="1200" dirty="0" smtClean="0"/>
               <a:t>number</a:t>
             </a:r>
+          </a:p>
+          <a:p>
+            <a:r>
+              <a:rPr lang="en-US" altLang="ja-JP" sz="1200" dirty="0" smtClean="0"/>
+              <a:t>comment</a:t>
+            </a:r>
+          </a:p>
+          <a:p>
+            <a:r>
+              <a:rPr lang="en-US" altLang="ja-JP" sz="1200" dirty="0" err="1"/>
+              <a:t>p</a:t>
+            </a:r>
+            <a:r>
+              <a:rPr lang="en-US" altLang="ja-JP" sz="1200" dirty="0" err="1" smtClean="0"/>
+              <a:t>layer_photo</a:t>
+            </a:r>
+            <a:endParaRPr lang="en-US" altLang="ja-JP" sz="1200" dirty="0" smtClean="0"/>
           </a:p>
         </p:txBody>
       </p:sp>
@@ -5361,8 +5389,8 @@
               <a:t>・</a:t>
             </a:r>
             <a:r>
-              <a:rPr lang="en-US" altLang="ja-JP" sz="1200" smtClean="0"/>
-              <a:t>matches</a:t>
+              <a:rPr lang="en-US" altLang="ja-JP" sz="1200" dirty="0" err="1" smtClean="0"/>
+              <a:t>mutchs</a:t>
             </a:r>
             <a:endParaRPr lang="en-US" altLang="ja-JP" sz="1200" dirty="0" smtClean="0"/>
           </a:p>
@@ -5373,25 +5401,26 @@
             </a:r>
           </a:p>
           <a:p>
-            <a:r>
-              <a:rPr lang="en-US" altLang="ja-JP" sz="1200" dirty="0" smtClean="0"/>
-              <a:t>C</a:t>
-            </a:r>
-          </a:p>
-          <a:p>
-            <a:r>
-              <a:rPr lang="en-US" altLang="ja-JP" sz="1200" dirty="0" smtClean="0"/>
-              <a:t>M</a:t>
-            </a:r>
-          </a:p>
-          <a:p>
-            <a:r>
-              <a:rPr lang="en-US" altLang="ja-JP" sz="1200" dirty="0" err="1"/>
-              <a:t>g</a:t>
-            </a:r>
+            <a:pPr fontAlgn="t"/>
+            <a:r>
+              <a:rPr lang="en-US" altLang="ja-JP" sz="1200" dirty="0">
+                <a:solidFill>
+                  <a:srgbClr val="000000"/>
+                </a:solidFill>
+              </a:rPr>
+              <a:t>created</a:t>
+            </a:r>
+          </a:p>
+          <a:p>
+            <a:r>
+              <a:rPr lang="en-US" altLang="ja-JP" sz="1200" dirty="0"/>
+              <a:t>modified</a:t>
+            </a:r>
+          </a:p>
+          <a:p>
             <a:r>
               <a:rPr lang="en-US" altLang="ja-JP" sz="1200" dirty="0" err="1" smtClean="0"/>
-              <a:t>ame_day</a:t>
+              <a:t>game_day</a:t>
             </a:r>
             <a:endParaRPr lang="en-US" altLang="ja-JP" sz="1200" dirty="0" smtClean="0"/>
           </a:p>
@@ -5443,7 +5472,7 @@
         </p:nvSpPr>
         <p:spPr>
           <a:xfrm>
-            <a:off x="4793512" y="2691720"/>
+            <a:off x="271847" y="1138304"/>
             <a:ext cx="1462217" cy="1464461"/>
           </a:xfrm>
           <a:prstGeom prst="rect">
@@ -5635,17 +5664,22 @@
             </a:r>
           </a:p>
           <a:p>
-            <a:r>
-              <a:rPr lang="en-US" altLang="ja-JP" sz="1200" dirty="0"/>
-              <a:t>c</a:t>
+            <a:pPr fontAlgn="t"/>
+            <a:r>
+              <a:rPr lang="en-US" altLang="ja-JP" sz="1200" dirty="0">
+                <a:solidFill>
+                  <a:srgbClr val="000000"/>
+                </a:solidFill>
+              </a:rPr>
+              <a:t>created</a:t>
+            </a:r>
+          </a:p>
+          <a:p>
+            <a:r>
+              <a:rPr lang="en-US" altLang="ja-JP" sz="1200" dirty="0" smtClean="0"/>
+              <a:t>modified</a:t>
             </a:r>
             <a:endParaRPr lang="en-US" altLang="ja-JP" sz="1200" dirty="0" smtClean="0"/>
-          </a:p>
-          <a:p>
-            <a:r>
-              <a:rPr lang="en-US" altLang="ja-JP" sz="1200" dirty="0" smtClean="0"/>
-              <a:t>m</a:t>
-            </a:r>
           </a:p>
           <a:p>
             <a:r>
@@ -5661,17 +5695,24 @@
       <p:cxnSp>
         <p:nvCxnSpPr>
           <p:cNvPr id="13" name="直線コネクタ 12"/>
-          <p:cNvCxnSpPr/>
+          <p:cNvCxnSpPr>
+            <a:endCxn id="56" idx="2"/>
+          </p:cNvCxnSpPr>
           <p:nvPr/>
         </p:nvCxnSpPr>
         <p:spPr>
-          <a:xfrm flipV="1">
-            <a:off x="3619561" y="3156109"/>
-            <a:ext cx="1695897" cy="426948"/>
+          <a:xfrm>
+            <a:off x="1436644" y="1554291"/>
+            <a:ext cx="935173" cy="2045644"/>
           </a:xfrm>
           <a:prstGeom prst="line">
             <a:avLst/>
           </a:prstGeom>
+          <a:ln>
+            <a:solidFill>
+              <a:schemeClr val="tx1"/>
+            </a:solidFill>
+          </a:ln>
         </p:spPr>
         <p:style>
           <a:lnRef idx="1">
@@ -5698,8 +5739,8 @@
         </p:nvSpPr>
         <p:spPr>
           <a:xfrm>
-            <a:off x="185349" y="2973344"/>
-            <a:ext cx="1355124" cy="1301578"/>
+            <a:off x="201822" y="3102378"/>
+            <a:ext cx="1372977" cy="1301578"/>
           </a:xfrm>
           <a:prstGeom prst="rect">
             <a:avLst/>
@@ -5752,15 +5793,27 @@
               <a:rPr lang="en-US" altLang="ja-JP" sz="1200" dirty="0" smtClean="0"/>
             </a:br>
             <a:r>
+              <a:rPr lang="en-US" altLang="ja-JP" sz="1200" dirty="0" smtClean="0">
+                <a:solidFill>
+                  <a:srgbClr val="000000"/>
+                </a:solidFill>
+              </a:rPr>
+              <a:t>created</a:t>
+            </a:r>
+            <a:r>
               <a:rPr lang="en-US" altLang="ja-JP" sz="1200" dirty="0" smtClean="0"/>
-              <a:t>c</a:t>
+              <a:t/>
             </a:r>
             <a:br>
               <a:rPr lang="en-US" altLang="ja-JP" sz="1200" dirty="0" smtClean="0"/>
             </a:br>
             <a:r>
               <a:rPr lang="en-US" altLang="ja-JP" sz="1200" dirty="0" smtClean="0"/>
-              <a:t>m</a:t>
+              <a:t>modified</a:t>
+            </a:r>
+            <a:r>
+              <a:rPr lang="en-US" altLang="ja-JP" sz="1200" dirty="0" smtClean="0"/>
+              <a:t/>
             </a:r>
             <a:br>
               <a:rPr lang="en-US" altLang="ja-JP" sz="1200" dirty="0" smtClean="0"/>
@@ -5783,17 +5836,25 @@
       <p:cxnSp>
         <p:nvCxnSpPr>
           <p:cNvPr id="25" name="直線コネクタ 24"/>
-          <p:cNvCxnSpPr/>
+          <p:cNvCxnSpPr>
+            <a:stCxn id="77" idx="6"/>
+            <a:endCxn id="66" idx="2"/>
+          </p:cNvCxnSpPr>
           <p:nvPr/>
         </p:nvCxnSpPr>
         <p:spPr>
           <a:xfrm>
-            <a:off x="1189334" y="3522963"/>
-            <a:ext cx="1272778" cy="381380"/>
+            <a:off x="1702459" y="3584335"/>
+            <a:ext cx="669357" cy="343921"/>
           </a:xfrm>
           <a:prstGeom prst="line">
             <a:avLst/>
           </a:prstGeom>
+          <a:ln>
+            <a:solidFill>
+              <a:schemeClr val="tx1"/>
+            </a:solidFill>
+          </a:ln>
         </p:spPr>
         <p:style>
           <a:lnRef idx="1">
@@ -5818,7 +5879,7 @@
         </p:nvSpPr>
         <p:spPr>
           <a:xfrm>
-            <a:off x="3927468" y="62363"/>
+            <a:off x="4257488" y="2380947"/>
             <a:ext cx="1696994" cy="2486349"/>
           </a:xfrm>
           <a:prstGeom prst="roundRect">
@@ -5859,8 +5920,8 @@
         </p:nvSpPr>
         <p:spPr>
           <a:xfrm>
-            <a:off x="128710" y="3082621"/>
-            <a:ext cx="1501350" cy="1392843"/>
+            <a:off x="271847" y="3082621"/>
+            <a:ext cx="1274378" cy="1392843"/>
           </a:xfrm>
           <a:prstGeom prst="roundRect">
             <a:avLst/>
@@ -5900,8 +5961,8 @@
         </p:nvSpPr>
         <p:spPr>
           <a:xfrm>
-            <a:off x="2203619" y="2028057"/>
-            <a:ext cx="1618736" cy="3110000"/>
+            <a:off x="2532216" y="2028057"/>
+            <a:ext cx="952430" cy="3110000"/>
           </a:xfrm>
           <a:prstGeom prst="roundRect">
             <a:avLst/>
@@ -5941,8 +6002,8 @@
         </p:nvSpPr>
         <p:spPr>
           <a:xfrm>
-            <a:off x="5023018" y="2624247"/>
-            <a:ext cx="1062681" cy="1531934"/>
+            <a:off x="696173" y="1090588"/>
+            <a:ext cx="596095" cy="1531934"/>
           </a:xfrm>
           <a:prstGeom prst="roundRect">
             <a:avLst/>
@@ -5984,7 +6045,7 @@
         </p:nvSpPr>
         <p:spPr>
           <a:xfrm>
-            <a:off x="6987744" y="2028501"/>
+            <a:off x="6987744" y="2707785"/>
             <a:ext cx="1462217" cy="1750541"/>
           </a:xfrm>
           <a:prstGeom prst="rect">
@@ -6174,23 +6235,28 @@
               <a:rPr lang="en-US" altLang="ja-JP" sz="1200" dirty="0" smtClean="0"/>
               <a:t>Id</a:t>
             </a:r>
+            <a:endParaRPr lang="en-US" altLang="ja-JP" sz="1200" dirty="0" smtClean="0"/>
+          </a:p>
+          <a:p>
+            <a:pPr fontAlgn="t"/>
+            <a:r>
+              <a:rPr lang="en-US" altLang="ja-JP" sz="1200" dirty="0">
+                <a:solidFill>
+                  <a:srgbClr val="000000"/>
+                </a:solidFill>
+              </a:rPr>
+              <a:t>created</a:t>
+            </a:r>
           </a:p>
           <a:p>
             <a:r>
               <a:rPr lang="en-US" altLang="ja-JP" sz="1200" dirty="0"/>
-              <a:t>c</a:t>
-            </a:r>
-            <a:endParaRPr lang="en-US" altLang="ja-JP" sz="1200" dirty="0" smtClean="0"/>
-          </a:p>
-          <a:p>
-            <a:r>
-              <a:rPr lang="en-US" altLang="ja-JP" sz="1200" dirty="0" smtClean="0"/>
-              <a:t>m</a:t>
-            </a:r>
-          </a:p>
-          <a:p>
-            <a:r>
-              <a:rPr lang="en-US" altLang="ja-JP" sz="1200" dirty="0" err="1"/>
+              <a:t>modified</a:t>
+            </a:r>
+          </a:p>
+          <a:p>
+            <a:r>
+              <a:rPr lang="en-US" altLang="ja-JP" sz="1200" dirty="0" err="1" smtClean="0"/>
               <a:t>p</a:t>
             </a:r>
             <a:r>
@@ -6200,6 +6266,10 @@
             <a:endParaRPr lang="en-US" altLang="ja-JP" sz="1200" dirty="0" smtClean="0"/>
           </a:p>
           <a:p>
+            <a:r>
+              <a:rPr lang="en-US" altLang="ja-JP" sz="1200" dirty="0" smtClean="0"/>
+              <a:t>text</a:t>
+            </a:r>
             <a:endParaRPr lang="en-US" altLang="ja-JP" sz="1200" dirty="0"/>
           </a:p>
         </p:txBody>
@@ -6212,8 +6282,8 @@
         </p:nvSpPr>
         <p:spPr>
           <a:xfrm>
-            <a:off x="7131907" y="1936281"/>
-            <a:ext cx="1173892" cy="1663654"/>
+            <a:off x="7156683" y="2679792"/>
+            <a:ext cx="1138096" cy="1778534"/>
           </a:xfrm>
           <a:prstGeom prst="roundRect">
             <a:avLst/>
@@ -6245,20 +6315,829 @@
           </a:p>
         </p:txBody>
       </p:sp>
+      <p:sp>
+        <p:nvSpPr>
+          <p:cNvPr id="37" name="円/楕円 36"/>
+          <p:cNvSpPr/>
+          <p:nvPr/>
+        </p:nvSpPr>
+        <p:spPr>
+          <a:xfrm>
+            <a:off x="1362372" y="1531379"/>
+            <a:ext cx="83565" cy="79574"/>
+          </a:xfrm>
+          <a:prstGeom prst="ellipse">
+            <a:avLst/>
+          </a:prstGeom>
+          <a:noFill/>
+          <a:ln>
+            <a:solidFill>
+              <a:schemeClr val="tx1"/>
+            </a:solidFill>
+          </a:ln>
+        </p:spPr>
+        <p:style>
+          <a:lnRef idx="2">
+            <a:schemeClr val="accent1">
+              <a:shade val="50000"/>
+            </a:schemeClr>
+          </a:lnRef>
+          <a:fillRef idx="1">
+            <a:schemeClr val="accent1"/>
+          </a:fillRef>
+          <a:effectRef idx="0">
+            <a:schemeClr val="accent1"/>
+          </a:effectRef>
+          <a:fontRef idx="minor">
+            <a:schemeClr val="lt1"/>
+          </a:fontRef>
+        </p:style>
+        <p:txBody>
+          <a:bodyPr rtlCol="0" anchor="ctr"/>
+          <a:lstStyle/>
+          <a:p>
+            <a:pPr algn="ctr"/>
+            <a:endParaRPr kumimoji="1" lang="ja-JP" altLang="en-US"/>
+          </a:p>
+        </p:txBody>
+      </p:sp>
       <p:cxnSp>
         <p:nvCxnSpPr>
-          <p:cNvPr id="23" name="カギ線コネクタ 22"/>
+          <p:cNvPr id="40" name="直線コネクタ 39"/>
           <p:cNvCxnSpPr/>
           <p:nvPr/>
         </p:nvCxnSpPr>
         <p:spPr>
           <a:xfrm>
-            <a:off x="5329800" y="1571166"/>
-            <a:ext cx="2064648" cy="709030"/>
-          </a:xfrm>
-          <a:prstGeom prst="bentConnector3">
+            <a:off x="1354931" y="1500188"/>
+            <a:ext cx="2872" cy="142875"/>
+          </a:xfrm>
+          <a:prstGeom prst="line">
             <a:avLst/>
           </a:prstGeom>
+          <a:ln>
+            <a:solidFill>
+              <a:schemeClr val="tx1"/>
+            </a:solidFill>
+          </a:ln>
+        </p:spPr>
+        <p:style>
+          <a:lnRef idx="1">
+            <a:schemeClr val="accent1"/>
+          </a:lnRef>
+          <a:fillRef idx="0">
+            <a:schemeClr val="accent1"/>
+          </a:fillRef>
+          <a:effectRef idx="0">
+            <a:schemeClr val="accent1"/>
+          </a:effectRef>
+          <a:fontRef idx="minor">
+            <a:schemeClr val="tx1"/>
+          </a:fontRef>
+        </p:style>
+      </p:cxnSp>
+      <p:cxnSp>
+        <p:nvCxnSpPr>
+          <p:cNvPr id="49" name="直線コネクタ 48"/>
+          <p:cNvCxnSpPr/>
+          <p:nvPr/>
+        </p:nvCxnSpPr>
+        <p:spPr>
+          <a:xfrm>
+            <a:off x="1292268" y="1571166"/>
+            <a:ext cx="62663" cy="0"/>
+          </a:xfrm>
+          <a:prstGeom prst="line">
+            <a:avLst/>
+          </a:prstGeom>
+          <a:ln>
+            <a:solidFill>
+              <a:schemeClr val="tx1"/>
+            </a:solidFill>
+          </a:ln>
+        </p:spPr>
+        <p:style>
+          <a:lnRef idx="1">
+            <a:schemeClr val="accent1"/>
+          </a:lnRef>
+          <a:fillRef idx="0">
+            <a:schemeClr val="accent1"/>
+          </a:fillRef>
+          <a:effectRef idx="0">
+            <a:schemeClr val="accent1"/>
+          </a:effectRef>
+          <a:fontRef idx="minor">
+            <a:schemeClr val="tx1"/>
+          </a:fontRef>
+        </p:style>
+      </p:cxnSp>
+      <p:sp>
+        <p:nvSpPr>
+          <p:cNvPr id="56" name="円/楕円 55"/>
+          <p:cNvSpPr/>
+          <p:nvPr/>
+        </p:nvSpPr>
+        <p:spPr>
+          <a:xfrm>
+            <a:off x="2371817" y="3557791"/>
+            <a:ext cx="83565" cy="84287"/>
+          </a:xfrm>
+          <a:prstGeom prst="ellipse">
+            <a:avLst/>
+          </a:prstGeom>
+          <a:noFill/>
+          <a:ln>
+            <a:solidFill>
+              <a:schemeClr val="tx1"/>
+            </a:solidFill>
+          </a:ln>
+        </p:spPr>
+        <p:style>
+          <a:lnRef idx="2">
+            <a:schemeClr val="accent1">
+              <a:shade val="50000"/>
+            </a:schemeClr>
+          </a:lnRef>
+          <a:fillRef idx="1">
+            <a:schemeClr val="accent1"/>
+          </a:fillRef>
+          <a:effectRef idx="0">
+            <a:schemeClr val="accent1"/>
+          </a:effectRef>
+          <a:fontRef idx="minor">
+            <a:schemeClr val="lt1"/>
+          </a:fontRef>
+        </p:style>
+        <p:txBody>
+          <a:bodyPr rtlCol="0" anchor="ctr"/>
+          <a:lstStyle/>
+          <a:p>
+            <a:pPr algn="ctr"/>
+            <a:endParaRPr kumimoji="1" lang="ja-JP" altLang="en-US"/>
+          </a:p>
+        </p:txBody>
+      </p:sp>
+      <p:cxnSp>
+        <p:nvCxnSpPr>
+          <p:cNvPr id="54" name="直線コネクタ 53"/>
+          <p:cNvCxnSpPr/>
+          <p:nvPr/>
+        </p:nvCxnSpPr>
+        <p:spPr>
+          <a:xfrm>
+            <a:off x="2455382" y="3599934"/>
+            <a:ext cx="76834" cy="0"/>
+          </a:xfrm>
+          <a:prstGeom prst="line">
+            <a:avLst/>
+          </a:prstGeom>
+          <a:ln>
+            <a:solidFill>
+              <a:schemeClr val="tx1"/>
+            </a:solidFill>
+          </a:ln>
+        </p:spPr>
+        <p:style>
+          <a:lnRef idx="1">
+            <a:schemeClr val="accent1"/>
+          </a:lnRef>
+          <a:fillRef idx="0">
+            <a:schemeClr val="accent1"/>
+          </a:fillRef>
+          <a:effectRef idx="0">
+            <a:schemeClr val="accent1"/>
+          </a:effectRef>
+          <a:fontRef idx="minor">
+            <a:schemeClr val="tx1"/>
+          </a:fontRef>
+        </p:style>
+      </p:cxnSp>
+      <p:cxnSp>
+        <p:nvCxnSpPr>
+          <p:cNvPr id="60" name="直線コネクタ 59"/>
+          <p:cNvCxnSpPr/>
+          <p:nvPr/>
+        </p:nvCxnSpPr>
+        <p:spPr>
+          <a:xfrm flipV="1">
+            <a:off x="2451810" y="3544548"/>
+            <a:ext cx="80406" cy="43684"/>
+          </a:xfrm>
+          <a:prstGeom prst="line">
+            <a:avLst/>
+          </a:prstGeom>
+          <a:ln>
+            <a:solidFill>
+              <a:schemeClr val="tx1"/>
+            </a:solidFill>
+          </a:ln>
+        </p:spPr>
+        <p:style>
+          <a:lnRef idx="1">
+            <a:schemeClr val="accent1"/>
+          </a:lnRef>
+          <a:fillRef idx="0">
+            <a:schemeClr val="accent1"/>
+          </a:fillRef>
+          <a:effectRef idx="0">
+            <a:schemeClr val="accent1"/>
+          </a:effectRef>
+          <a:fontRef idx="minor">
+            <a:schemeClr val="tx1"/>
+          </a:fontRef>
+        </p:style>
+      </p:cxnSp>
+      <p:cxnSp>
+        <p:nvCxnSpPr>
+          <p:cNvPr id="61" name="直線コネクタ 60"/>
+          <p:cNvCxnSpPr/>
+          <p:nvPr/>
+        </p:nvCxnSpPr>
+        <p:spPr>
+          <a:xfrm>
+            <a:off x="2459040" y="3611638"/>
+            <a:ext cx="67632" cy="30440"/>
+          </a:xfrm>
+          <a:prstGeom prst="line">
+            <a:avLst/>
+          </a:prstGeom>
+          <a:ln>
+            <a:solidFill>
+              <a:schemeClr val="tx1"/>
+            </a:solidFill>
+          </a:ln>
+        </p:spPr>
+        <p:style>
+          <a:lnRef idx="1">
+            <a:schemeClr val="accent1"/>
+          </a:lnRef>
+          <a:fillRef idx="0">
+            <a:schemeClr val="accent1"/>
+          </a:fillRef>
+          <a:effectRef idx="0">
+            <a:schemeClr val="accent1"/>
+          </a:effectRef>
+          <a:fontRef idx="minor">
+            <a:schemeClr val="tx1"/>
+          </a:fontRef>
+        </p:style>
+      </p:cxnSp>
+      <p:sp>
+        <p:nvSpPr>
+          <p:cNvPr id="66" name="円/楕円 65"/>
+          <p:cNvSpPr/>
+          <p:nvPr/>
+        </p:nvSpPr>
+        <p:spPr>
+          <a:xfrm>
+            <a:off x="2371816" y="3886112"/>
+            <a:ext cx="83565" cy="84287"/>
+          </a:xfrm>
+          <a:prstGeom prst="ellipse">
+            <a:avLst/>
+          </a:prstGeom>
+          <a:noFill/>
+          <a:ln>
+            <a:solidFill>
+              <a:schemeClr val="tx1"/>
+            </a:solidFill>
+          </a:ln>
+        </p:spPr>
+        <p:style>
+          <a:lnRef idx="2">
+            <a:schemeClr val="accent1">
+              <a:shade val="50000"/>
+            </a:schemeClr>
+          </a:lnRef>
+          <a:fillRef idx="1">
+            <a:schemeClr val="accent1"/>
+          </a:fillRef>
+          <a:effectRef idx="0">
+            <a:schemeClr val="accent1"/>
+          </a:effectRef>
+          <a:fontRef idx="minor">
+            <a:schemeClr val="lt1"/>
+          </a:fontRef>
+        </p:style>
+        <p:txBody>
+          <a:bodyPr rtlCol="0" anchor="ctr"/>
+          <a:lstStyle/>
+          <a:p>
+            <a:pPr algn="ctr"/>
+            <a:endParaRPr kumimoji="1" lang="ja-JP" altLang="en-US"/>
+          </a:p>
+        </p:txBody>
+      </p:sp>
+      <p:cxnSp>
+        <p:nvCxnSpPr>
+          <p:cNvPr id="67" name="直線コネクタ 66"/>
+          <p:cNvCxnSpPr/>
+          <p:nvPr/>
+        </p:nvCxnSpPr>
+        <p:spPr>
+          <a:xfrm>
+            <a:off x="2458503" y="3937343"/>
+            <a:ext cx="67632" cy="30440"/>
+          </a:xfrm>
+          <a:prstGeom prst="line">
+            <a:avLst/>
+          </a:prstGeom>
+          <a:ln>
+            <a:solidFill>
+              <a:schemeClr val="tx1"/>
+            </a:solidFill>
+          </a:ln>
+        </p:spPr>
+        <p:style>
+          <a:lnRef idx="1">
+            <a:schemeClr val="accent1"/>
+          </a:lnRef>
+          <a:fillRef idx="0">
+            <a:schemeClr val="accent1"/>
+          </a:fillRef>
+          <a:effectRef idx="0">
+            <a:schemeClr val="accent1"/>
+          </a:effectRef>
+          <a:fontRef idx="minor">
+            <a:schemeClr val="tx1"/>
+          </a:fontRef>
+        </p:style>
+      </p:cxnSp>
+      <p:cxnSp>
+        <p:nvCxnSpPr>
+          <p:cNvPr id="68" name="直線コネクタ 67"/>
+          <p:cNvCxnSpPr/>
+          <p:nvPr/>
+        </p:nvCxnSpPr>
+        <p:spPr>
+          <a:xfrm flipV="1">
+            <a:off x="2454274" y="3883439"/>
+            <a:ext cx="69848" cy="35000"/>
+          </a:xfrm>
+          <a:prstGeom prst="line">
+            <a:avLst/>
+          </a:prstGeom>
+          <a:ln>
+            <a:solidFill>
+              <a:schemeClr val="tx1"/>
+            </a:solidFill>
+          </a:ln>
+        </p:spPr>
+        <p:style>
+          <a:lnRef idx="1">
+            <a:schemeClr val="accent1"/>
+          </a:lnRef>
+          <a:fillRef idx="0">
+            <a:schemeClr val="accent1"/>
+          </a:fillRef>
+          <a:effectRef idx="0">
+            <a:schemeClr val="accent1"/>
+          </a:effectRef>
+          <a:fontRef idx="minor">
+            <a:schemeClr val="tx1"/>
+          </a:fontRef>
+        </p:style>
+      </p:cxnSp>
+      <p:cxnSp>
+        <p:nvCxnSpPr>
+          <p:cNvPr id="70" name="直線コネクタ 69"/>
+          <p:cNvCxnSpPr/>
+          <p:nvPr/>
+        </p:nvCxnSpPr>
+        <p:spPr>
+          <a:xfrm>
+            <a:off x="2461012" y="3928255"/>
+            <a:ext cx="71204" cy="0"/>
+          </a:xfrm>
+          <a:prstGeom prst="line">
+            <a:avLst/>
+          </a:prstGeom>
+          <a:ln>
+            <a:solidFill>
+              <a:schemeClr val="tx1"/>
+            </a:solidFill>
+          </a:ln>
+        </p:spPr>
+        <p:style>
+          <a:lnRef idx="1">
+            <a:schemeClr val="accent1"/>
+          </a:lnRef>
+          <a:fillRef idx="0">
+            <a:schemeClr val="accent1"/>
+          </a:fillRef>
+          <a:effectRef idx="0">
+            <a:schemeClr val="accent1"/>
+          </a:effectRef>
+          <a:fontRef idx="minor">
+            <a:schemeClr val="tx1"/>
+          </a:fontRef>
+        </p:style>
+      </p:cxnSp>
+      <p:sp>
+        <p:nvSpPr>
+          <p:cNvPr id="77" name="円/楕円 76"/>
+          <p:cNvSpPr/>
+          <p:nvPr/>
+        </p:nvSpPr>
+        <p:spPr>
+          <a:xfrm>
+            <a:off x="1618894" y="3544548"/>
+            <a:ext cx="83565" cy="79574"/>
+          </a:xfrm>
+          <a:prstGeom prst="ellipse">
+            <a:avLst/>
+          </a:prstGeom>
+          <a:noFill/>
+          <a:ln>
+            <a:solidFill>
+              <a:schemeClr val="tx1"/>
+            </a:solidFill>
+          </a:ln>
+        </p:spPr>
+        <p:style>
+          <a:lnRef idx="2">
+            <a:schemeClr val="accent1">
+              <a:shade val="50000"/>
+            </a:schemeClr>
+          </a:lnRef>
+          <a:fillRef idx="1">
+            <a:schemeClr val="accent1"/>
+          </a:fillRef>
+          <a:effectRef idx="0">
+            <a:schemeClr val="accent1"/>
+          </a:effectRef>
+          <a:fontRef idx="minor">
+            <a:schemeClr val="lt1"/>
+          </a:fontRef>
+        </p:style>
+        <p:txBody>
+          <a:bodyPr rtlCol="0" anchor="ctr"/>
+          <a:lstStyle/>
+          <a:p>
+            <a:pPr algn="ctr"/>
+            <a:endParaRPr kumimoji="1" lang="ja-JP" altLang="en-US"/>
+          </a:p>
+        </p:txBody>
+      </p:sp>
+      <p:cxnSp>
+        <p:nvCxnSpPr>
+          <p:cNvPr id="78" name="直線コネクタ 77"/>
+          <p:cNvCxnSpPr/>
+          <p:nvPr/>
+        </p:nvCxnSpPr>
+        <p:spPr>
+          <a:xfrm>
+            <a:off x="1546225" y="3586638"/>
+            <a:ext cx="62663" cy="0"/>
+          </a:xfrm>
+          <a:prstGeom prst="line">
+            <a:avLst/>
+          </a:prstGeom>
+          <a:ln>
+            <a:solidFill>
+              <a:schemeClr val="tx1"/>
+            </a:solidFill>
+          </a:ln>
+        </p:spPr>
+        <p:style>
+          <a:lnRef idx="1">
+            <a:schemeClr val="accent1"/>
+          </a:lnRef>
+          <a:fillRef idx="0">
+            <a:schemeClr val="accent1"/>
+          </a:fillRef>
+          <a:effectRef idx="0">
+            <a:schemeClr val="accent1"/>
+          </a:effectRef>
+          <a:fontRef idx="minor">
+            <a:schemeClr val="tx1"/>
+          </a:fontRef>
+        </p:style>
+      </p:cxnSp>
+      <p:cxnSp>
+        <p:nvCxnSpPr>
+          <p:cNvPr id="79" name="直線コネクタ 78"/>
+          <p:cNvCxnSpPr/>
+          <p:nvPr/>
+        </p:nvCxnSpPr>
+        <p:spPr>
+          <a:xfrm>
+            <a:off x="1609136" y="3511619"/>
+            <a:ext cx="2872" cy="142875"/>
+          </a:xfrm>
+          <a:prstGeom prst="line">
+            <a:avLst/>
+          </a:prstGeom>
+          <a:ln>
+            <a:solidFill>
+              <a:schemeClr val="tx1"/>
+            </a:solidFill>
+          </a:ln>
+        </p:spPr>
+        <p:style>
+          <a:lnRef idx="1">
+            <a:schemeClr val="accent1"/>
+          </a:lnRef>
+          <a:fillRef idx="0">
+            <a:schemeClr val="accent1"/>
+          </a:fillRef>
+          <a:effectRef idx="0">
+            <a:schemeClr val="accent1"/>
+          </a:effectRef>
+          <a:fontRef idx="minor">
+            <a:schemeClr val="tx1"/>
+          </a:fontRef>
+        </p:style>
+      </p:cxnSp>
+      <p:cxnSp>
+        <p:nvCxnSpPr>
+          <p:cNvPr id="82" name="直線コネクタ 81"/>
+          <p:cNvCxnSpPr>
+            <a:stCxn id="91" idx="2"/>
+            <a:endCxn id="83" idx="6"/>
+          </p:cNvCxnSpPr>
+          <p:nvPr/>
+        </p:nvCxnSpPr>
+        <p:spPr>
+          <a:xfrm flipH="1">
+            <a:off x="6128193" y="3100825"/>
+            <a:ext cx="886531" cy="815449"/>
+          </a:xfrm>
+          <a:prstGeom prst="line">
+            <a:avLst/>
+          </a:prstGeom>
+          <a:ln>
+            <a:solidFill>
+              <a:schemeClr val="tx1"/>
+            </a:solidFill>
+          </a:ln>
+        </p:spPr>
+        <p:style>
+          <a:lnRef idx="1">
+            <a:schemeClr val="accent1"/>
+          </a:lnRef>
+          <a:fillRef idx="0">
+            <a:schemeClr val="accent1"/>
+          </a:fillRef>
+          <a:effectRef idx="0">
+            <a:schemeClr val="accent1"/>
+          </a:effectRef>
+          <a:fontRef idx="minor">
+            <a:schemeClr val="tx1"/>
+          </a:fontRef>
+        </p:style>
+      </p:cxnSp>
+      <p:sp>
+        <p:nvSpPr>
+          <p:cNvPr id="83" name="円/楕円 82"/>
+          <p:cNvSpPr/>
+          <p:nvPr/>
+        </p:nvSpPr>
+        <p:spPr>
+          <a:xfrm>
+            <a:off x="6044628" y="3876487"/>
+            <a:ext cx="83565" cy="79574"/>
+          </a:xfrm>
+          <a:prstGeom prst="ellipse">
+            <a:avLst/>
+          </a:prstGeom>
+          <a:noFill/>
+          <a:ln>
+            <a:solidFill>
+              <a:schemeClr val="tx1"/>
+            </a:solidFill>
+          </a:ln>
+        </p:spPr>
+        <p:style>
+          <a:lnRef idx="2">
+            <a:schemeClr val="accent1">
+              <a:shade val="50000"/>
+            </a:schemeClr>
+          </a:lnRef>
+          <a:fillRef idx="1">
+            <a:schemeClr val="accent1"/>
+          </a:fillRef>
+          <a:effectRef idx="0">
+            <a:schemeClr val="accent1"/>
+          </a:effectRef>
+          <a:fontRef idx="minor">
+            <a:schemeClr val="lt1"/>
+          </a:fontRef>
+        </p:style>
+        <p:txBody>
+          <a:bodyPr rtlCol="0" anchor="ctr"/>
+          <a:lstStyle/>
+          <a:p>
+            <a:pPr algn="ctr"/>
+            <a:endParaRPr kumimoji="1" lang="ja-JP" altLang="en-US"/>
+          </a:p>
+        </p:txBody>
+      </p:sp>
+      <p:cxnSp>
+        <p:nvCxnSpPr>
+          <p:cNvPr id="84" name="直線コネクタ 83"/>
+          <p:cNvCxnSpPr/>
+          <p:nvPr/>
+        </p:nvCxnSpPr>
+        <p:spPr>
+          <a:xfrm>
+            <a:off x="7098289" y="3097784"/>
+            <a:ext cx="62663" cy="0"/>
+          </a:xfrm>
+          <a:prstGeom prst="line">
+            <a:avLst/>
+          </a:prstGeom>
+          <a:ln>
+            <a:solidFill>
+              <a:schemeClr val="tx1"/>
+            </a:solidFill>
+          </a:ln>
+        </p:spPr>
+        <p:style>
+          <a:lnRef idx="1">
+            <a:schemeClr val="accent1"/>
+          </a:lnRef>
+          <a:fillRef idx="0">
+            <a:schemeClr val="accent1"/>
+          </a:fillRef>
+          <a:effectRef idx="0">
+            <a:schemeClr val="accent1"/>
+          </a:effectRef>
+          <a:fontRef idx="minor">
+            <a:schemeClr val="tx1"/>
+          </a:fontRef>
+        </p:style>
+      </p:cxnSp>
+      <p:cxnSp>
+        <p:nvCxnSpPr>
+          <p:cNvPr id="85" name="直線コネクタ 84"/>
+          <p:cNvCxnSpPr/>
+          <p:nvPr/>
+        </p:nvCxnSpPr>
+        <p:spPr>
+          <a:xfrm>
+            <a:off x="7099576" y="3011717"/>
+            <a:ext cx="2872" cy="142875"/>
+          </a:xfrm>
+          <a:prstGeom prst="line">
+            <a:avLst/>
+          </a:prstGeom>
+          <a:ln>
+            <a:solidFill>
+              <a:schemeClr val="tx1"/>
+            </a:solidFill>
+          </a:ln>
+        </p:spPr>
+        <p:style>
+          <a:lnRef idx="1">
+            <a:schemeClr val="accent1"/>
+          </a:lnRef>
+          <a:fillRef idx="0">
+            <a:schemeClr val="accent1"/>
+          </a:fillRef>
+          <a:effectRef idx="0">
+            <a:schemeClr val="accent1"/>
+          </a:effectRef>
+          <a:fontRef idx="minor">
+            <a:schemeClr val="tx1"/>
+          </a:fontRef>
+        </p:style>
+      </p:cxnSp>
+      <p:sp>
+        <p:nvSpPr>
+          <p:cNvPr id="91" name="円/楕円 90"/>
+          <p:cNvSpPr/>
+          <p:nvPr/>
+        </p:nvSpPr>
+        <p:spPr>
+          <a:xfrm>
+            <a:off x="7014724" y="3058681"/>
+            <a:ext cx="83565" cy="84287"/>
+          </a:xfrm>
+          <a:prstGeom prst="ellipse">
+            <a:avLst/>
+          </a:prstGeom>
+          <a:noFill/>
+          <a:ln>
+            <a:solidFill>
+              <a:schemeClr val="tx1"/>
+            </a:solidFill>
+          </a:ln>
+        </p:spPr>
+        <p:style>
+          <a:lnRef idx="2">
+            <a:schemeClr val="accent1">
+              <a:shade val="50000"/>
+            </a:schemeClr>
+          </a:lnRef>
+          <a:fillRef idx="1">
+            <a:schemeClr val="accent1"/>
+          </a:fillRef>
+          <a:effectRef idx="0">
+            <a:schemeClr val="accent1"/>
+          </a:effectRef>
+          <a:fontRef idx="minor">
+            <a:schemeClr val="lt1"/>
+          </a:fontRef>
+        </p:style>
+        <p:txBody>
+          <a:bodyPr rtlCol="0" anchor="ctr"/>
+          <a:lstStyle/>
+          <a:p>
+            <a:pPr algn="ctr"/>
+            <a:endParaRPr kumimoji="1" lang="ja-JP" altLang="en-US"/>
+          </a:p>
+        </p:txBody>
+      </p:sp>
+      <p:cxnSp>
+        <p:nvCxnSpPr>
+          <p:cNvPr id="92" name="直線コネクタ 91"/>
+          <p:cNvCxnSpPr/>
+          <p:nvPr/>
+        </p:nvCxnSpPr>
+        <p:spPr>
+          <a:xfrm flipV="1">
+            <a:off x="5954482" y="3913340"/>
+            <a:ext cx="87107" cy="2934"/>
+          </a:xfrm>
+          <a:prstGeom prst="line">
+            <a:avLst/>
+          </a:prstGeom>
+          <a:ln>
+            <a:solidFill>
+              <a:schemeClr val="tx1"/>
+            </a:solidFill>
+          </a:ln>
+        </p:spPr>
+        <p:style>
+          <a:lnRef idx="1">
+            <a:schemeClr val="accent1"/>
+          </a:lnRef>
+          <a:fillRef idx="0">
+            <a:schemeClr val="accent1"/>
+          </a:fillRef>
+          <a:effectRef idx="0">
+            <a:schemeClr val="accent1"/>
+          </a:effectRef>
+          <a:fontRef idx="minor">
+            <a:schemeClr val="tx1"/>
+          </a:fontRef>
+        </p:style>
+      </p:cxnSp>
+      <p:cxnSp>
+        <p:nvCxnSpPr>
+          <p:cNvPr id="93" name="直線コネクタ 92"/>
+          <p:cNvCxnSpPr/>
+          <p:nvPr/>
+        </p:nvCxnSpPr>
+        <p:spPr>
+          <a:xfrm flipV="1">
+            <a:off x="5958872" y="3917843"/>
+            <a:ext cx="80406" cy="43684"/>
+          </a:xfrm>
+          <a:prstGeom prst="line">
+            <a:avLst/>
+          </a:prstGeom>
+          <a:ln>
+            <a:solidFill>
+              <a:schemeClr val="tx1"/>
+            </a:solidFill>
+          </a:ln>
+        </p:spPr>
+        <p:style>
+          <a:lnRef idx="1">
+            <a:schemeClr val="accent1"/>
+          </a:lnRef>
+          <a:fillRef idx="0">
+            <a:schemeClr val="accent1"/>
+          </a:fillRef>
+          <a:effectRef idx="0">
+            <a:schemeClr val="accent1"/>
+          </a:effectRef>
+          <a:fontRef idx="minor">
+            <a:schemeClr val="tx1"/>
+          </a:fontRef>
+        </p:style>
+      </p:cxnSp>
+      <p:cxnSp>
+        <p:nvCxnSpPr>
+          <p:cNvPr id="94" name="直線コネクタ 93"/>
+          <p:cNvCxnSpPr/>
+          <p:nvPr/>
+        </p:nvCxnSpPr>
+        <p:spPr>
+          <a:xfrm>
+            <a:off x="5959547" y="3876809"/>
+            <a:ext cx="82042" cy="31523"/>
+          </a:xfrm>
+          <a:prstGeom prst="line">
+            <a:avLst/>
+          </a:prstGeom>
+          <a:ln>
+            <a:solidFill>
+              <a:schemeClr val="tx1"/>
+            </a:solidFill>
+          </a:ln>
         </p:spPr>
         <p:style>
           <a:lnRef idx="1">
@@ -6285,6 +7164,13 @@
   <p:clrMapOvr>
     <a:masterClrMapping/>
   </p:clrMapOvr>
+  <p:timing>
+    <p:tnLst>
+      <p:par>
+        <p:cTn id="1" dur="indefinite" restart="never" nodeType="tmRoot"/>
+      </p:par>
+    </p:tnLst>
+  </p:timing>
 </p:sld>
 </file>
 
